--- a/Powershell.pptx
+++ b/Powershell.pptx
@@ -4531,7 +4531,7 @@
               <a:t>/</a:t>
             </a:r>
             <a:r>
-              <a:rPr lang="en-US" sz="3200" smtClean="0">
+              <a:rPr lang="en-US" sz="3200" dirty="0" err="1" smtClean="0">
                 <a:solidFill>
                   <a:schemeClr val="bg1"/>
                 </a:solidFill>
